--- a/lecnotes/section_pi.pptx
+++ b/lecnotes/section_pi.pptx
@@ -7,9 +7,10 @@
   <p:sldIdLst>
     <p:sldId id="256" r:id="rId2"/>
     <p:sldId id="1996" r:id="rId3"/>
-    <p:sldId id="1997" r:id="rId4"/>
-    <p:sldId id="1994" r:id="rId5"/>
-    <p:sldId id="1995" r:id="rId6"/>
+    <p:sldId id="1994" r:id="rId4"/>
+    <p:sldId id="1995" r:id="rId5"/>
+    <p:sldId id="1997" r:id="rId6"/>
+    <p:sldId id="1998" r:id="rId7"/>
   </p:sldIdLst>
   <p:sldSz cx="12192000" cy="6858000"/>
   <p:notesSz cx="6858000" cy="9144000"/>
@@ -263,7 +264,7 @@
           <a:p>
             <a:fld id="{3EA43177-ED33-814E-8677-557825FE62F2}" type="datetimeFigureOut">
               <a:rPr lang="en-US" smtClean="0"/>
-              <a:t>6/8/20</a:t>
+              <a:t>6/15/20</a:t>
             </a:fld>
             <a:endParaRPr lang="en-US"/>
           </a:p>
@@ -461,7 +462,7 @@
           <a:p>
             <a:fld id="{3EA43177-ED33-814E-8677-557825FE62F2}" type="datetimeFigureOut">
               <a:rPr lang="en-US" smtClean="0"/>
-              <a:t>6/8/20</a:t>
+              <a:t>6/15/20</a:t>
             </a:fld>
             <a:endParaRPr lang="en-US"/>
           </a:p>
@@ -669,7 +670,7 @@
           <a:p>
             <a:fld id="{3EA43177-ED33-814E-8677-557825FE62F2}" type="datetimeFigureOut">
               <a:rPr lang="en-US" smtClean="0"/>
-              <a:t>6/8/20</a:t>
+              <a:t>6/15/20</a:t>
             </a:fld>
             <a:endParaRPr lang="en-US"/>
           </a:p>
@@ -867,7 +868,7 @@
           <a:p>
             <a:fld id="{3EA43177-ED33-814E-8677-557825FE62F2}" type="datetimeFigureOut">
               <a:rPr lang="en-US" smtClean="0"/>
-              <a:t>6/8/20</a:t>
+              <a:t>6/15/20</a:t>
             </a:fld>
             <a:endParaRPr lang="en-US"/>
           </a:p>
@@ -1142,7 +1143,7 @@
           <a:p>
             <a:fld id="{3EA43177-ED33-814E-8677-557825FE62F2}" type="datetimeFigureOut">
               <a:rPr lang="en-US" smtClean="0"/>
-              <a:t>6/8/20</a:t>
+              <a:t>6/15/20</a:t>
             </a:fld>
             <a:endParaRPr lang="en-US"/>
           </a:p>
@@ -1407,7 +1408,7 @@
           <a:p>
             <a:fld id="{3EA43177-ED33-814E-8677-557825FE62F2}" type="datetimeFigureOut">
               <a:rPr lang="en-US" smtClean="0"/>
-              <a:t>6/8/20</a:t>
+              <a:t>6/15/20</a:t>
             </a:fld>
             <a:endParaRPr lang="en-US"/>
           </a:p>
@@ -1819,7 +1820,7 @@
           <a:p>
             <a:fld id="{3EA43177-ED33-814E-8677-557825FE62F2}" type="datetimeFigureOut">
               <a:rPr lang="en-US" smtClean="0"/>
-              <a:t>6/8/20</a:t>
+              <a:t>6/15/20</a:t>
             </a:fld>
             <a:endParaRPr lang="en-US"/>
           </a:p>
@@ -1960,7 +1961,7 @@
           <a:p>
             <a:fld id="{3EA43177-ED33-814E-8677-557825FE62F2}" type="datetimeFigureOut">
               <a:rPr lang="en-US" smtClean="0"/>
-              <a:t>6/8/20</a:t>
+              <a:t>6/15/20</a:t>
             </a:fld>
             <a:endParaRPr lang="en-US"/>
           </a:p>
@@ -2073,7 +2074,7 @@
           <a:p>
             <a:fld id="{3EA43177-ED33-814E-8677-557825FE62F2}" type="datetimeFigureOut">
               <a:rPr lang="en-US" smtClean="0"/>
-              <a:t>6/8/20</a:t>
+              <a:t>6/15/20</a:t>
             </a:fld>
             <a:endParaRPr lang="en-US"/>
           </a:p>
@@ -2384,7 +2385,7 @@
           <a:p>
             <a:fld id="{3EA43177-ED33-814E-8677-557825FE62F2}" type="datetimeFigureOut">
               <a:rPr lang="en-US" smtClean="0"/>
-              <a:t>6/8/20</a:t>
+              <a:t>6/15/20</a:t>
             </a:fld>
             <a:endParaRPr lang="en-US"/>
           </a:p>
@@ -2672,7 +2673,7 @@
           <a:p>
             <a:fld id="{3EA43177-ED33-814E-8677-557825FE62F2}" type="datetimeFigureOut">
               <a:rPr lang="en-US" smtClean="0"/>
-              <a:t>6/8/20</a:t>
+              <a:t>6/15/20</a:t>
             </a:fld>
             <a:endParaRPr lang="en-US"/>
           </a:p>
@@ -2913,7 +2914,7 @@
           <a:p>
             <a:fld id="{3EA43177-ED33-814E-8677-557825FE62F2}" type="datetimeFigureOut">
               <a:rPr lang="en-US" smtClean="0"/>
-              <a:t>6/8/20</a:t>
+              <a:t>6/15/20</a:t>
             </a:fld>
             <a:endParaRPr lang="en-US"/>
           </a:p>
@@ -3588,7 +3589,7 @@
           <a:p>
             <a:r>
               <a:rPr lang="en-US" dirty="0"/>
-              <a:t>6/8 Agenda</a:t>
+              <a:t>6/1 Agenda</a:t>
             </a:r>
           </a:p>
         </p:txBody>
@@ -3611,14 +3612,12 @@
         </p:nvSpPr>
         <p:spPr>
           <a:xfrm>
-            <a:off x="838199" y="1825625"/>
-            <a:ext cx="10451123" cy="4351338"/>
+            <a:off x="838200" y="1825625"/>
+            <a:ext cx="6710082" cy="4351338"/>
           </a:xfrm>
         </p:spPr>
         <p:txBody>
-          <a:bodyPr>
-            <a:normAutofit fontScale="92500" lnSpcReduction="10000"/>
-          </a:bodyPr>
+          <a:bodyPr/>
           <a:lstStyle/>
           <a:p>
             <a:pPr marL="0" indent="0">
@@ -3628,61 +3627,6 @@
               <a:rPr lang="en-US" dirty="0"/>
               <a:t>Updates on Warmup Tasks</a:t>
             </a:r>
-          </a:p>
-          <a:p>
-            <a:pPr marL="0" indent="0">
-              <a:buNone/>
-            </a:pPr>
-            <a:r>
-              <a:rPr lang="en-US" dirty="0"/>
-              <a:t>Paper Discussion</a:t>
-            </a:r>
-          </a:p>
-          <a:p>
-            <a:pPr marL="0" indent="0">
-              <a:buNone/>
-            </a:pPr>
-            <a:endParaRPr lang="en-US" dirty="0"/>
-          </a:p>
-          <a:p>
-            <a:pPr marL="0" indent="0">
-              <a:buNone/>
-            </a:pPr>
-            <a:r>
-              <a:rPr lang="en-US" dirty="0"/>
-              <a:t>Next Week</a:t>
-            </a:r>
-          </a:p>
-          <a:p>
-            <a:r>
-              <a:rPr lang="en-US" dirty="0"/>
-              <a:t>Read S4 and construct an explanation of the main concepts (in your opinion) via a simple example</a:t>
-            </a:r>
-          </a:p>
-          <a:p>
-            <a:r>
-              <a:rPr lang="en-US" dirty="0"/>
-              <a:t>What subset of the interface spec in </a:t>
-            </a:r>
-            <a:r>
-              <a:rPr lang="en-US" dirty="0" err="1"/>
-              <a:t>github</a:t>
-            </a:r>
-            <a:r>
-              <a:rPr lang="en-US" dirty="0"/>
-              <a:t> is SIGMOD 19 capable of expressing?</a:t>
-            </a:r>
-          </a:p>
-          <a:p>
-            <a:r>
-              <a:rPr lang="en-US" dirty="0"/>
-              <a:t>What are the limitations of the cost function and what should it also consider?  For a suggestion, come up with a </a:t>
-            </a:r>
-            <a:r>
-              <a:rPr lang="en-US"/>
-              <a:t>naïve function.</a:t>
-            </a:r>
-            <a:endParaRPr lang="en-US" dirty="0"/>
           </a:p>
           <a:p>
             <a:pPr marL="0" indent="0">
@@ -3695,7 +3639,7 @@
     </p:spTree>
     <p:extLst>
       <p:ext uri="{BB962C8B-B14F-4D97-AF65-F5344CB8AC3E}">
-        <p14:creationId xmlns:p14="http://schemas.microsoft.com/office/powerpoint/2010/main" val="4148918103"/>
+        <p14:creationId xmlns:p14="http://schemas.microsoft.com/office/powerpoint/2010/main" val="2367039168"/>
       </p:ext>
     </p:extLst>
   </p:cSld>
@@ -3727,7 +3671,7 @@
           <p:cNvPr id="2" name="Title 1">
             <a:extLst>
               <a:ext uri="{FF2B5EF4-FFF2-40B4-BE49-F238E27FC236}">
-                <a16:creationId xmlns:a16="http://schemas.microsoft.com/office/drawing/2014/main" id="{F1495278-75BE-964F-AB0F-71B36827EEC8}"/>
+                <a16:creationId xmlns:a16="http://schemas.microsoft.com/office/drawing/2014/main" id="{E4814983-BE55-2941-B6CE-4E7A94A46C92}"/>
               </a:ext>
             </a:extLst>
           </p:cNvPr>
@@ -3743,10 +3687,7 @@
           <a:bodyPr/>
           <a:lstStyle/>
           <a:p>
-            <a:r>
-              <a:rPr lang="en-US" dirty="0"/>
-              <a:t>6/1 Agenda</a:t>
-            </a:r>
+            <a:endParaRPr lang="en-US" dirty="0"/>
           </a:p>
         </p:txBody>
       </p:sp>
@@ -3755,7 +3696,7 @@
           <p:cNvPr id="3" name="Content Placeholder 2">
             <a:extLst>
               <a:ext uri="{FF2B5EF4-FFF2-40B4-BE49-F238E27FC236}">
-                <a16:creationId xmlns:a16="http://schemas.microsoft.com/office/drawing/2014/main" id="{4E9300D0-BA22-C547-BD8D-35D22876B077}"/>
+                <a16:creationId xmlns:a16="http://schemas.microsoft.com/office/drawing/2014/main" id="{D9B01541-0942-7D45-A58E-7626567ADA7C}"/>
               </a:ext>
             </a:extLst>
           </p:cNvPr>
@@ -3769,7 +3710,7 @@
         <p:spPr>
           <a:xfrm>
             <a:off x="838200" y="1825625"/>
-            <a:ext cx="6710082" cy="4351338"/>
+            <a:ext cx="6853518" cy="4351338"/>
           </a:xfrm>
         </p:spPr>
         <p:txBody>
@@ -3781,21 +3722,80 @@
             </a:pPr>
             <a:r>
               <a:rPr lang="en-US" dirty="0"/>
-              <a:t>Updates on Warmup Tasks</a:t>
-            </a:r>
-          </a:p>
-          <a:p>
-            <a:pPr marL="0" indent="0">
-              <a:buNone/>
-            </a:pPr>
+              <a:t>Assign reading: SIGMOD 19 paper</a:t>
+            </a:r>
+          </a:p>
+          <a:p>
+            <a:r>
+              <a:rPr lang="en-US" dirty="0"/>
+              <a:t>Everyone: S1</a:t>
+            </a:r>
+          </a:p>
+          <a:p>
+            <a:r>
+              <a:rPr lang="en-US" dirty="0"/>
+              <a:t>Jeffrey: S2-3</a:t>
+            </a:r>
+          </a:p>
+          <a:p>
+            <a:r>
+              <a:rPr lang="en-US" dirty="0" err="1"/>
+              <a:t>Guanjie+Sam</a:t>
+            </a:r>
+            <a:r>
+              <a:rPr lang="en-US" dirty="0"/>
+              <a:t>: S4</a:t>
+            </a:r>
+          </a:p>
+          <a:p>
+            <a:r>
+              <a:rPr lang="en-US"/>
+              <a:t>Create your own </a:t>
+            </a:r>
+            <a:r>
+              <a:rPr lang="en-US" dirty="0"/>
+              <a:t>example to walk through the model</a:t>
+            </a:r>
+          </a:p>
+          <a:p>
             <a:endParaRPr lang="en-US" dirty="0"/>
           </a:p>
         </p:txBody>
       </p:sp>
+      <p:pic>
+        <p:nvPicPr>
+          <p:cNvPr id="4" name="Picture 3">
+            <a:extLst>
+              <a:ext uri="{FF2B5EF4-FFF2-40B4-BE49-F238E27FC236}">
+                <a16:creationId xmlns:a16="http://schemas.microsoft.com/office/drawing/2014/main" id="{2168168C-AB97-234B-BE70-0BBF68431C67}"/>
+              </a:ext>
+            </a:extLst>
+          </p:cNvPr>
+          <p:cNvPicPr>
+            <a:picLocks noChangeAspect="1"/>
+          </p:cNvPicPr>
+          <p:nvPr/>
+        </p:nvPicPr>
+        <p:blipFill>
+          <a:blip r:embed="rId2"/>
+          <a:stretch>
+            <a:fillRect/>
+          </a:stretch>
+        </p:blipFill>
+        <p:spPr>
+          <a:xfrm>
+            <a:off x="7548282" y="0"/>
+            <a:ext cx="4639473" cy="6858000"/>
+          </a:xfrm>
+          <a:prstGeom prst="rect">
+            <a:avLst/>
+          </a:prstGeom>
+        </p:spPr>
+      </p:pic>
     </p:spTree>
     <p:extLst>
       <p:ext uri="{BB962C8B-B14F-4D97-AF65-F5344CB8AC3E}">
-        <p14:creationId xmlns:p14="http://schemas.microsoft.com/office/powerpoint/2010/main" val="2367039168"/>
+        <p14:creationId xmlns:p14="http://schemas.microsoft.com/office/powerpoint/2010/main" val="1872182317"/>
       </p:ext>
     </p:extLst>
   </p:cSld>
@@ -3827,7 +3827,7 @@
           <p:cNvPr id="2" name="Title 1">
             <a:extLst>
               <a:ext uri="{FF2B5EF4-FFF2-40B4-BE49-F238E27FC236}">
-                <a16:creationId xmlns:a16="http://schemas.microsoft.com/office/drawing/2014/main" id="{E4814983-BE55-2941-B6CE-4E7A94A46C92}"/>
+                <a16:creationId xmlns:a16="http://schemas.microsoft.com/office/drawing/2014/main" id="{F1495278-75BE-964F-AB0F-71B36827EEC8}"/>
               </a:ext>
             </a:extLst>
           </p:cNvPr>
@@ -3843,7 +3843,10 @@
           <a:bodyPr/>
           <a:lstStyle/>
           <a:p>
-            <a:endParaRPr lang="en-US" dirty="0"/>
+            <a:r>
+              <a:rPr lang="en-US" dirty="0"/>
+              <a:t>6/8 Agenda</a:t>
+            </a:r>
           </a:p>
         </p:txBody>
       </p:sp>
@@ -3852,7 +3855,7 @@
           <p:cNvPr id="3" name="Content Placeholder 2">
             <a:extLst>
               <a:ext uri="{FF2B5EF4-FFF2-40B4-BE49-F238E27FC236}">
-                <a16:creationId xmlns:a16="http://schemas.microsoft.com/office/drawing/2014/main" id="{D9B01541-0942-7D45-A58E-7626567ADA7C}"/>
+                <a16:creationId xmlns:a16="http://schemas.microsoft.com/office/drawing/2014/main" id="{4E9300D0-BA22-C547-BD8D-35D22876B077}"/>
               </a:ext>
             </a:extLst>
           </p:cNvPr>
@@ -3865,12 +3868,14 @@
         </p:nvSpPr>
         <p:spPr>
           <a:xfrm>
-            <a:off x="838200" y="1825625"/>
-            <a:ext cx="6853518" cy="4351338"/>
+            <a:off x="838199" y="1825625"/>
+            <a:ext cx="10451123" cy="4351338"/>
           </a:xfrm>
         </p:spPr>
         <p:txBody>
-          <a:bodyPr/>
+          <a:bodyPr>
+            <a:normAutofit fontScale="92500" lnSpcReduction="10000"/>
+          </a:bodyPr>
           <a:lstStyle/>
           <a:p>
             <a:pPr marL="0" indent="0">
@@ -3878,80 +3883,238 @@
             </a:pPr>
             <a:r>
               <a:rPr lang="en-US" dirty="0"/>
-              <a:t>Assign reading: SIGMOD 19 paper</a:t>
-            </a:r>
-          </a:p>
-          <a:p>
+              <a:t>Updates on Warmup Tasks</a:t>
+            </a:r>
+          </a:p>
+          <a:p>
+            <a:pPr marL="0" indent="0">
+              <a:buNone/>
+            </a:pPr>
             <a:r>
               <a:rPr lang="en-US" dirty="0"/>
-              <a:t>Everyone: S1</a:t>
-            </a:r>
-          </a:p>
-          <a:p>
+              <a:t>Paper Discussion</a:t>
+            </a:r>
+          </a:p>
+          <a:p>
+            <a:pPr marL="0" indent="0">
+              <a:buNone/>
+            </a:pPr>
+            <a:endParaRPr lang="en-US" dirty="0"/>
+          </a:p>
+          <a:p>
+            <a:pPr marL="0" indent="0">
+              <a:buNone/>
+            </a:pPr>
             <a:r>
               <a:rPr lang="en-US" dirty="0"/>
-              <a:t>Jeffrey: S2-3</a:t>
-            </a:r>
-          </a:p>
-          <a:p>
+              <a:t>Next Week</a:t>
+            </a:r>
+          </a:p>
+          <a:p>
+            <a:r>
+              <a:rPr lang="en-US" dirty="0"/>
+              <a:t>Read S4 and construct an explanation of the main concepts (in your opinion) via a simple example</a:t>
+            </a:r>
+          </a:p>
+          <a:p>
+            <a:r>
+              <a:rPr lang="en-US" dirty="0"/>
+              <a:t>What subset of the interface spec in </a:t>
+            </a:r>
             <a:r>
               <a:rPr lang="en-US" dirty="0" err="1"/>
-              <a:t>Guanjie+Sam</a:t>
+              <a:t>github</a:t>
             </a:r>
             <a:r>
               <a:rPr lang="en-US" dirty="0"/>
-              <a:t>: S4</a:t>
-            </a:r>
-          </a:p>
-          <a:p>
-            <a:r>
-              <a:rPr lang="en-US"/>
-              <a:t>Create your own </a:t>
-            </a:r>
+              <a:t> is SIGMOD 19 capable of expressing?</a:t>
+            </a:r>
+          </a:p>
+          <a:p>
             <a:r>
               <a:rPr lang="en-US" dirty="0"/>
-              <a:t>example to walk through the model</a:t>
-            </a:r>
-          </a:p>
-          <a:p>
+              <a:t>What are the limitations of the cost function and what should it also consider?  For a suggestion, come up with a </a:t>
+            </a:r>
+            <a:r>
+              <a:rPr lang="en-US"/>
+              <a:t>naïve function.</a:t>
+            </a:r>
             <a:endParaRPr lang="en-US" dirty="0"/>
           </a:p>
-        </p:txBody>
-      </p:sp>
-      <p:pic>
-        <p:nvPicPr>
-          <p:cNvPr id="4" name="Picture 3">
-            <a:extLst>
-              <a:ext uri="{FF2B5EF4-FFF2-40B4-BE49-F238E27FC236}">
-                <a16:creationId xmlns:a16="http://schemas.microsoft.com/office/drawing/2014/main" id="{2168168C-AB97-234B-BE70-0BBF68431C67}"/>
-              </a:ext>
-            </a:extLst>
-          </p:cNvPr>
-          <p:cNvPicPr>
-            <a:picLocks noChangeAspect="1"/>
-          </p:cNvPicPr>
-          <p:nvPr/>
-        </p:nvPicPr>
-        <p:blipFill>
-          <a:blip r:embed="rId2"/>
-          <a:stretch>
-            <a:fillRect/>
-          </a:stretch>
-        </p:blipFill>
-        <p:spPr>
-          <a:xfrm>
-            <a:off x="7548282" y="0"/>
-            <a:ext cx="4639473" cy="6858000"/>
-          </a:xfrm>
-          <a:prstGeom prst="rect">
-            <a:avLst/>
-          </a:prstGeom>
-        </p:spPr>
-      </p:pic>
+          <a:p>
+            <a:pPr marL="0" indent="0">
+              <a:buNone/>
+            </a:pPr>
+            <a:endParaRPr lang="en-US" dirty="0"/>
+          </a:p>
+        </p:txBody>
+      </p:sp>
     </p:spTree>
     <p:extLst>
       <p:ext uri="{BB962C8B-B14F-4D97-AF65-F5344CB8AC3E}">
-        <p14:creationId xmlns:p14="http://schemas.microsoft.com/office/powerpoint/2010/main" val="1872182317"/>
+        <p14:creationId xmlns:p14="http://schemas.microsoft.com/office/powerpoint/2010/main" val="4148918103"/>
+      </p:ext>
+    </p:extLst>
+  </p:cSld>
+  <p:clrMapOvr>
+    <a:masterClrMapping/>
+  </p:clrMapOvr>
+</p:sld>
+</file>
+
+<file path=ppt/slides/slide6.xml><?xml version="1.0" encoding="utf-8"?>
+<p:sld xmlns:a="http://schemas.openxmlformats.org/drawingml/2006/main" xmlns:r="http://schemas.openxmlformats.org/officeDocument/2006/relationships" xmlns:p="http://schemas.openxmlformats.org/presentationml/2006/main">
+  <p:cSld>
+    <p:spTree>
+      <p:nvGrpSpPr>
+        <p:cNvPr id="1" name=""/>
+        <p:cNvGrpSpPr/>
+        <p:nvPr/>
+      </p:nvGrpSpPr>
+      <p:grpSpPr>
+        <a:xfrm>
+          <a:off x="0" y="0"/>
+          <a:ext cx="0" cy="0"/>
+          <a:chOff x="0" y="0"/>
+          <a:chExt cx="0" cy="0"/>
+        </a:xfrm>
+      </p:grpSpPr>
+      <p:sp>
+        <p:nvSpPr>
+          <p:cNvPr id="2" name="Title 1">
+            <a:extLst>
+              <a:ext uri="{FF2B5EF4-FFF2-40B4-BE49-F238E27FC236}">
+                <a16:creationId xmlns:a16="http://schemas.microsoft.com/office/drawing/2014/main" id="{F1495278-75BE-964F-AB0F-71B36827EEC8}"/>
+              </a:ext>
+            </a:extLst>
+          </p:cNvPr>
+          <p:cNvSpPr>
+            <a:spLocks noGrp="1"/>
+          </p:cNvSpPr>
+          <p:nvPr>
+            <p:ph type="title"/>
+          </p:nvPr>
+        </p:nvSpPr>
+        <p:spPr/>
+        <p:txBody>
+          <a:bodyPr/>
+          <a:lstStyle/>
+          <a:p>
+            <a:r>
+              <a:rPr lang="en-US" dirty="0"/>
+              <a:t>6/15 Agenda</a:t>
+            </a:r>
+          </a:p>
+        </p:txBody>
+      </p:sp>
+      <p:sp>
+        <p:nvSpPr>
+          <p:cNvPr id="3" name="Content Placeholder 2">
+            <a:extLst>
+              <a:ext uri="{FF2B5EF4-FFF2-40B4-BE49-F238E27FC236}">
+                <a16:creationId xmlns:a16="http://schemas.microsoft.com/office/drawing/2014/main" id="{4E9300D0-BA22-C547-BD8D-35D22876B077}"/>
+              </a:ext>
+            </a:extLst>
+          </p:cNvPr>
+          <p:cNvSpPr>
+            <a:spLocks noGrp="1"/>
+          </p:cNvSpPr>
+          <p:nvPr>
+            <p:ph idx="1"/>
+          </p:nvPr>
+        </p:nvSpPr>
+        <p:spPr>
+          <a:xfrm>
+            <a:off x="838199" y="1825625"/>
+            <a:ext cx="10451123" cy="4351338"/>
+          </a:xfrm>
+        </p:spPr>
+        <p:txBody>
+          <a:bodyPr>
+            <a:normAutofit fontScale="92500" lnSpcReduction="20000"/>
+          </a:bodyPr>
+          <a:lstStyle/>
+          <a:p>
+            <a:pPr marL="0" indent="0">
+              <a:buNone/>
+            </a:pPr>
+            <a:r>
+              <a:rPr lang="en-US" dirty="0"/>
+              <a:t>Updates on Warmup Tasks</a:t>
+            </a:r>
+          </a:p>
+          <a:p>
+            <a:pPr marL="0" indent="0">
+              <a:buNone/>
+            </a:pPr>
+            <a:r>
+              <a:rPr lang="en-US" dirty="0"/>
+              <a:t>Paper Discussion</a:t>
+            </a:r>
+          </a:p>
+          <a:p>
+            <a:pPr marL="0" indent="0">
+              <a:buNone/>
+            </a:pPr>
+            <a:endParaRPr lang="en-US" dirty="0"/>
+          </a:p>
+          <a:p>
+            <a:pPr marL="0" indent="0">
+              <a:buNone/>
+            </a:pPr>
+            <a:r>
+              <a:rPr lang="en-US" dirty="0"/>
+              <a:t>Next Week</a:t>
+            </a:r>
+          </a:p>
+          <a:p>
+            <a:r>
+              <a:rPr lang="en-US" dirty="0"/>
+              <a:t>read the IPA workshop paper, come with questions</a:t>
+            </a:r>
+          </a:p>
+          <a:p>
+            <a:r>
+              <a:rPr lang="en-US" dirty="0"/>
+              <a:t>Jeffrey: present the relationship between the diff tree and interfaces and how it differs from the SIGMOD paper.  </a:t>
+            </a:r>
+          </a:p>
+          <a:p>
+            <a:r>
+              <a:rPr lang="en-US" dirty="0"/>
+              <a:t>Sam: present the cost function, and how different valid interfaces are (or should be assessed).  </a:t>
+            </a:r>
+          </a:p>
+          <a:p>
+            <a:r>
+              <a:rPr lang="en-US" dirty="0" err="1"/>
+              <a:t>Guanjie</a:t>
+            </a:r>
+            <a:r>
+              <a:rPr lang="en-US" dirty="0"/>
+              <a:t>: present the </a:t>
+            </a:r>
+            <a:r>
+              <a:rPr lang="en-US" dirty="0" err="1"/>
+              <a:t>difftree</a:t>
+            </a:r>
+            <a:r>
+              <a:rPr lang="en-US" dirty="0"/>
+              <a:t> transformations and the tree search approach. </a:t>
+            </a:r>
+          </a:p>
+          <a:p>
+            <a:pPr marL="0" indent="0">
+              <a:buNone/>
+            </a:pPr>
+            <a:endParaRPr lang="en-US" dirty="0"/>
+          </a:p>
+        </p:txBody>
+      </p:sp>
+    </p:spTree>
+    <p:extLst>
+      <p:ext uri="{BB962C8B-B14F-4D97-AF65-F5344CB8AC3E}">
+        <p14:creationId xmlns:p14="http://schemas.microsoft.com/office/powerpoint/2010/main" val="2888546207"/>
       </p:ext>
     </p:extLst>
   </p:cSld>

--- a/lecnotes/section_pi.pptx
+++ b/lecnotes/section_pi.pptx
@@ -11,6 +11,7 @@
     <p:sldId id="1995" r:id="rId5"/>
     <p:sldId id="1997" r:id="rId6"/>
     <p:sldId id="1998" r:id="rId7"/>
+    <p:sldId id="1999" r:id="rId8"/>
   </p:sldIdLst>
   <p:sldSz cx="12192000" cy="6858000"/>
   <p:notesSz cx="6858000" cy="9144000"/>
@@ -264,7 +265,7 @@
           <a:p>
             <a:fld id="{3EA43177-ED33-814E-8677-557825FE62F2}" type="datetimeFigureOut">
               <a:rPr lang="en-US" smtClean="0"/>
-              <a:t>6/15/20</a:t>
+              <a:t>6/22/20</a:t>
             </a:fld>
             <a:endParaRPr lang="en-US"/>
           </a:p>
@@ -462,7 +463,7 @@
           <a:p>
             <a:fld id="{3EA43177-ED33-814E-8677-557825FE62F2}" type="datetimeFigureOut">
               <a:rPr lang="en-US" smtClean="0"/>
-              <a:t>6/15/20</a:t>
+              <a:t>6/22/20</a:t>
             </a:fld>
             <a:endParaRPr lang="en-US"/>
           </a:p>
@@ -670,7 +671,7 @@
           <a:p>
             <a:fld id="{3EA43177-ED33-814E-8677-557825FE62F2}" type="datetimeFigureOut">
               <a:rPr lang="en-US" smtClean="0"/>
-              <a:t>6/15/20</a:t>
+              <a:t>6/22/20</a:t>
             </a:fld>
             <a:endParaRPr lang="en-US"/>
           </a:p>
@@ -868,7 +869,7 @@
           <a:p>
             <a:fld id="{3EA43177-ED33-814E-8677-557825FE62F2}" type="datetimeFigureOut">
               <a:rPr lang="en-US" smtClean="0"/>
-              <a:t>6/15/20</a:t>
+              <a:t>6/22/20</a:t>
             </a:fld>
             <a:endParaRPr lang="en-US"/>
           </a:p>
@@ -1143,7 +1144,7 @@
           <a:p>
             <a:fld id="{3EA43177-ED33-814E-8677-557825FE62F2}" type="datetimeFigureOut">
               <a:rPr lang="en-US" smtClean="0"/>
-              <a:t>6/15/20</a:t>
+              <a:t>6/22/20</a:t>
             </a:fld>
             <a:endParaRPr lang="en-US"/>
           </a:p>
@@ -1408,7 +1409,7 @@
           <a:p>
             <a:fld id="{3EA43177-ED33-814E-8677-557825FE62F2}" type="datetimeFigureOut">
               <a:rPr lang="en-US" smtClean="0"/>
-              <a:t>6/15/20</a:t>
+              <a:t>6/22/20</a:t>
             </a:fld>
             <a:endParaRPr lang="en-US"/>
           </a:p>
@@ -1820,7 +1821,7 @@
           <a:p>
             <a:fld id="{3EA43177-ED33-814E-8677-557825FE62F2}" type="datetimeFigureOut">
               <a:rPr lang="en-US" smtClean="0"/>
-              <a:t>6/15/20</a:t>
+              <a:t>6/22/20</a:t>
             </a:fld>
             <a:endParaRPr lang="en-US"/>
           </a:p>
@@ -1961,7 +1962,7 @@
           <a:p>
             <a:fld id="{3EA43177-ED33-814E-8677-557825FE62F2}" type="datetimeFigureOut">
               <a:rPr lang="en-US" smtClean="0"/>
-              <a:t>6/15/20</a:t>
+              <a:t>6/22/20</a:t>
             </a:fld>
             <a:endParaRPr lang="en-US"/>
           </a:p>
@@ -2074,7 +2075,7 @@
           <a:p>
             <a:fld id="{3EA43177-ED33-814E-8677-557825FE62F2}" type="datetimeFigureOut">
               <a:rPr lang="en-US" smtClean="0"/>
-              <a:t>6/15/20</a:t>
+              <a:t>6/22/20</a:t>
             </a:fld>
             <a:endParaRPr lang="en-US"/>
           </a:p>
@@ -2385,7 +2386,7 @@
           <a:p>
             <a:fld id="{3EA43177-ED33-814E-8677-557825FE62F2}" type="datetimeFigureOut">
               <a:rPr lang="en-US" smtClean="0"/>
-              <a:t>6/15/20</a:t>
+              <a:t>6/22/20</a:t>
             </a:fld>
             <a:endParaRPr lang="en-US"/>
           </a:p>
@@ -2673,7 +2674,7 @@
           <a:p>
             <a:fld id="{3EA43177-ED33-814E-8677-557825FE62F2}" type="datetimeFigureOut">
               <a:rPr lang="en-US" smtClean="0"/>
-              <a:t>6/15/20</a:t>
+              <a:t>6/22/20</a:t>
             </a:fld>
             <a:endParaRPr lang="en-US"/>
           </a:p>
@@ -2914,7 +2915,7 @@
           <a:p>
             <a:fld id="{3EA43177-ED33-814E-8677-557825FE62F2}" type="datetimeFigureOut">
               <a:rPr lang="en-US" smtClean="0"/>
-              <a:t>6/15/20</a:t>
+              <a:t>6/22/20</a:t>
             </a:fld>
             <a:endParaRPr lang="en-US"/>
           </a:p>
@@ -4124,6 +4125,132 @@
 </p:sld>
 </file>
 
+<file path=ppt/slides/slide7.xml><?xml version="1.0" encoding="utf-8"?>
+<p:sld xmlns:a="http://schemas.openxmlformats.org/drawingml/2006/main" xmlns:r="http://schemas.openxmlformats.org/officeDocument/2006/relationships" xmlns:p="http://schemas.openxmlformats.org/presentationml/2006/main">
+  <p:cSld>
+    <p:spTree>
+      <p:nvGrpSpPr>
+        <p:cNvPr id="1" name=""/>
+        <p:cNvGrpSpPr/>
+        <p:nvPr/>
+      </p:nvGrpSpPr>
+      <p:grpSpPr>
+        <a:xfrm>
+          <a:off x="0" y="0"/>
+          <a:ext cx="0" cy="0"/>
+          <a:chOff x="0" y="0"/>
+          <a:chExt cx="0" cy="0"/>
+        </a:xfrm>
+      </p:grpSpPr>
+      <p:sp>
+        <p:nvSpPr>
+          <p:cNvPr id="2" name="Title 1">
+            <a:extLst>
+              <a:ext uri="{FF2B5EF4-FFF2-40B4-BE49-F238E27FC236}">
+                <a16:creationId xmlns:a16="http://schemas.microsoft.com/office/drawing/2014/main" id="{F1495278-75BE-964F-AB0F-71B36827EEC8}"/>
+              </a:ext>
+            </a:extLst>
+          </p:cNvPr>
+          <p:cNvSpPr>
+            <a:spLocks noGrp="1"/>
+          </p:cNvSpPr>
+          <p:nvPr>
+            <p:ph type="title"/>
+          </p:nvPr>
+        </p:nvSpPr>
+        <p:spPr/>
+        <p:txBody>
+          <a:bodyPr/>
+          <a:lstStyle/>
+          <a:p>
+            <a:r>
+              <a:rPr lang="en-US" dirty="0"/>
+              <a:t>6/22 Agenda</a:t>
+            </a:r>
+          </a:p>
+        </p:txBody>
+      </p:sp>
+      <p:sp>
+        <p:nvSpPr>
+          <p:cNvPr id="3" name="Content Placeholder 2">
+            <a:extLst>
+              <a:ext uri="{FF2B5EF4-FFF2-40B4-BE49-F238E27FC236}">
+                <a16:creationId xmlns:a16="http://schemas.microsoft.com/office/drawing/2014/main" id="{4E9300D0-BA22-C547-BD8D-35D22876B077}"/>
+              </a:ext>
+            </a:extLst>
+          </p:cNvPr>
+          <p:cNvSpPr>
+            <a:spLocks noGrp="1"/>
+          </p:cNvSpPr>
+          <p:nvPr>
+            <p:ph idx="1"/>
+          </p:nvPr>
+        </p:nvSpPr>
+        <p:spPr>
+          <a:xfrm>
+            <a:off x="838199" y="1825625"/>
+            <a:ext cx="10451123" cy="4351338"/>
+          </a:xfrm>
+        </p:spPr>
+        <p:txBody>
+          <a:bodyPr>
+            <a:normAutofit/>
+          </a:bodyPr>
+          <a:lstStyle/>
+          <a:p>
+            <a:pPr marL="0" indent="0">
+              <a:buNone/>
+            </a:pPr>
+            <a:r>
+              <a:rPr lang="en-US" dirty="0"/>
+              <a:t>Updates on Warmup Tasks</a:t>
+            </a:r>
+          </a:p>
+          <a:p>
+            <a:pPr marL="0" indent="0">
+              <a:buNone/>
+            </a:pPr>
+            <a:r>
+              <a:rPr lang="en-US" dirty="0"/>
+              <a:t>Paper Discussion</a:t>
+            </a:r>
+          </a:p>
+          <a:p>
+            <a:pPr marL="0" indent="0">
+              <a:buNone/>
+            </a:pPr>
+            <a:endParaRPr lang="en-US" dirty="0"/>
+          </a:p>
+          <a:p>
+            <a:pPr marL="0" indent="0">
+              <a:buNone/>
+            </a:pPr>
+            <a:r>
+              <a:rPr lang="en-US" dirty="0"/>
+              <a:t>Next Week</a:t>
+            </a:r>
+          </a:p>
+          <a:p>
+            <a:pPr marL="0" indent="0">
+              <a:buNone/>
+            </a:pPr>
+            <a:endParaRPr lang="en-US" dirty="0"/>
+          </a:p>
+        </p:txBody>
+      </p:sp>
+    </p:spTree>
+    <p:extLst>
+      <p:ext uri="{BB962C8B-B14F-4D97-AF65-F5344CB8AC3E}">
+        <p14:creationId xmlns:p14="http://schemas.microsoft.com/office/powerpoint/2010/main" val="2294978401"/>
+      </p:ext>
+    </p:extLst>
+  </p:cSld>
+  <p:clrMapOvr>
+    <a:masterClrMapping/>
+  </p:clrMapOvr>
+</p:sld>
+</file>
+
 <file path=ppt/theme/theme1.xml><?xml version="1.0" encoding="utf-8"?>
 <a:theme xmlns:a="http://schemas.openxmlformats.org/drawingml/2006/main" name="Office Theme">
   <a:themeElements>
